--- a/Резюме.pptx
+++ b/Резюме.pptx
@@ -3975,8 +3975,8 @@
         </p:nvSpPr>
         <p:spPr bwMode="auto">
           <a:xfrm>
-            <a:off x="590305" y="15608046"/>
-            <a:ext cx="3495555" cy="646331"/>
+            <a:off x="494053" y="15608046"/>
+            <a:ext cx="4183826" cy="646331"/>
           </a:xfrm>
           <a:prstGeom prst="rect">
             <a:avLst/>
@@ -4006,11 +4006,11 @@
               <a:rPr lang="en-US" dirty="0">
                 <a:hlinkClick r:id="rId3"/>
               </a:rPr>
-              <a:t>https://github.com/hbjnmcd/info</a:t>
+              <a:t>https://github.com/hbjnmcd/information</a:t>
             </a:r>
             <a:r>
               <a:rPr lang="ru-RU" dirty="0"/>
-              <a:t> </a:t>
+              <a:t>  </a:t>
             </a:r>
             <a:endParaRPr dirty="0"/>
           </a:p>
